--- a/aspnet5/slides/08_Deployment.pptx
+++ b/aspnet5/slides/08_Deployment.pptx
@@ -285,7 +285,7 @@
               <a:pPr>
                 <a:defRPr/>
               </a:pPr>
-              <a:t>9/12/2015</a:t>
+              <a:t>2/23/2017</a:t>
             </a:fld>
             <a:endParaRPr lang="en-US"/>
           </a:p>
@@ -559,35 +559,35 @@
           <a:p>
             <a:pPr lvl="0"/>
             <a:r>
-              <a:rPr lang="en-US" noProof="0" smtClean="0"/>
+              <a:rPr lang="en-US" noProof="0"/>
               <a:t>Click to edit Master text styles</a:t>
             </a:r>
           </a:p>
           <a:p>
             <a:pPr lvl="1"/>
             <a:r>
-              <a:rPr lang="en-US" noProof="0" smtClean="0"/>
+              <a:rPr lang="en-US" noProof="0"/>
               <a:t>Second level</a:t>
             </a:r>
           </a:p>
           <a:p>
             <a:pPr lvl="2"/>
             <a:r>
-              <a:rPr lang="en-US" noProof="0" smtClean="0"/>
+              <a:rPr lang="en-US" noProof="0"/>
               <a:t>Third level</a:t>
             </a:r>
           </a:p>
           <a:p>
             <a:pPr lvl="3"/>
             <a:r>
-              <a:rPr lang="en-US" noProof="0" smtClean="0"/>
+              <a:rPr lang="en-US" noProof="0"/>
               <a:t>Fourth level</a:t>
             </a:r>
           </a:p>
           <a:p>
             <a:pPr lvl="4"/>
             <a:r>
-              <a:rPr lang="en-US" noProof="0" smtClean="0"/>
+              <a:rPr lang="en-US" noProof="0"/>
               <a:t>Fifth level</a:t>
             </a:r>
           </a:p>
@@ -868,7 +868,7 @@
               <a:pPr/>
               <a:t>1</a:t>
             </a:fld>
-            <a:endParaRPr lang="en-US" smtClean="0"/>
+            <a:endParaRPr lang="en-US"/>
           </a:p>
         </p:txBody>
       </p:sp>
@@ -909,7 +909,7 @@
           <a:lstStyle/>
           <a:p>
             <a:pPr eaLnBrk="1" hangingPunct="1"/>
-            <a:endParaRPr lang="en-US" smtClean="0"/>
+            <a:endParaRPr lang="en-US"/>
           </a:p>
         </p:txBody>
       </p:sp>
@@ -972,7 +972,7 @@
           </a:lstStyle>
           <a:p>
             <a:r>
-              <a:rPr lang="en-US" smtClean="0"/>
+              <a:rPr lang="en-US"/>
               <a:t>Click to edit Master title style</a:t>
             </a:r>
             <a:endParaRPr lang="en-US" dirty="0"/>
@@ -1008,7 +1008,7 @@
           </a:lstStyle>
           <a:p>
             <a:r>
-              <a:rPr lang="en-US" smtClean="0"/>
+              <a:rPr lang="en-US"/>
               <a:t>Click to edit Master subtitle style</a:t>
             </a:r>
             <a:endParaRPr lang="en-US" dirty="0"/>
@@ -1105,10 +1105,9 @@
           <a:lstStyle/>
           <a:p>
             <a:r>
-              <a:rPr lang="en-US" smtClean="0"/>
+              <a:rPr lang="en-US"/>
               <a:t>Click to edit Master title style</a:t>
             </a:r>
-            <a:endParaRPr lang="en-US"/>
           </a:p>
         </p:txBody>
       </p:sp>
@@ -1149,7 +1148,7 @@
           <a:p>
             <a:pPr lvl="0"/>
             <a:r>
-              <a:rPr lang="en-US" smtClean="0"/>
+              <a:rPr lang="en-US"/>
               <a:t>Click to edit Master text styles</a:t>
             </a:r>
           </a:p>
@@ -1199,10 +1198,9 @@
           <a:lstStyle/>
           <a:p>
             <a:r>
-              <a:rPr lang="en-US" smtClean="0"/>
+              <a:rPr lang="en-US"/>
               <a:t>Click to edit Master title style</a:t>
             </a:r>
-            <a:endParaRPr lang="en-US"/>
           </a:p>
         </p:txBody>
       </p:sp>
@@ -1258,7 +1256,7 @@
           </a:lstStyle>
           <a:p>
             <a:r>
-              <a:rPr lang="en-US" smtClean="0"/>
+              <a:rPr lang="en-US"/>
               <a:t>Click to edit Master title style</a:t>
             </a:r>
             <a:endParaRPr lang="en-US" dirty="0"/>
@@ -1323,35 +1321,35 @@
           <a:p>
             <a:pPr lvl="0"/>
             <a:r>
-              <a:rPr lang="en-US" smtClean="0"/>
+              <a:rPr lang="en-US"/>
               <a:t>Click to edit Master text styles</a:t>
             </a:r>
           </a:p>
           <a:p>
             <a:pPr lvl="1"/>
             <a:r>
-              <a:rPr lang="en-US" smtClean="0"/>
+              <a:rPr lang="en-US"/>
               <a:t>Second level</a:t>
             </a:r>
           </a:p>
           <a:p>
             <a:pPr lvl="2"/>
             <a:r>
-              <a:rPr lang="en-US" smtClean="0"/>
+              <a:rPr lang="en-US"/>
               <a:t>Third level</a:t>
             </a:r>
           </a:p>
           <a:p>
             <a:pPr lvl="3"/>
             <a:r>
-              <a:rPr lang="en-US" smtClean="0"/>
+              <a:rPr lang="en-US"/>
               <a:t>Fourth level</a:t>
             </a:r>
           </a:p>
           <a:p>
             <a:pPr lvl="4"/>
             <a:r>
-              <a:rPr lang="en-US" smtClean="0"/>
+              <a:rPr lang="en-US"/>
               <a:t>Fifth level</a:t>
             </a:r>
             <a:endParaRPr lang="en-US" dirty="0"/>
@@ -1415,10 +1413,9 @@
           </a:lstStyle>
           <a:p>
             <a:r>
-              <a:rPr lang="en-US" dirty="0" smtClean="0"/>
+              <a:rPr lang="en-US" dirty="0"/>
               <a:t>References</a:t>
             </a:r>
-            <a:endParaRPr lang="en-US" dirty="0"/>
           </a:p>
         </p:txBody>
       </p:sp>
@@ -1480,35 +1477,35 @@
           <a:p>
             <a:pPr lvl="0"/>
             <a:r>
-              <a:rPr lang="en-US" smtClean="0"/>
+              <a:rPr lang="en-US"/>
               <a:t>Click to edit Master text styles</a:t>
             </a:r>
           </a:p>
           <a:p>
             <a:pPr lvl="1"/>
             <a:r>
-              <a:rPr lang="en-US" smtClean="0"/>
+              <a:rPr lang="en-US"/>
               <a:t>Second level</a:t>
             </a:r>
           </a:p>
           <a:p>
             <a:pPr lvl="2"/>
             <a:r>
-              <a:rPr lang="en-US" smtClean="0"/>
+              <a:rPr lang="en-US"/>
               <a:t>Third level</a:t>
             </a:r>
           </a:p>
           <a:p>
             <a:pPr lvl="3"/>
             <a:r>
-              <a:rPr lang="en-US" smtClean="0"/>
+              <a:rPr lang="en-US"/>
               <a:t>Fourth level</a:t>
             </a:r>
           </a:p>
           <a:p>
             <a:pPr lvl="4"/>
             <a:r>
-              <a:rPr lang="en-US" smtClean="0"/>
+              <a:rPr lang="en-US"/>
               <a:t>Fifth level</a:t>
             </a:r>
             <a:endParaRPr lang="en-US" dirty="0"/>
@@ -1564,10 +1561,9 @@
           <a:lstStyle/>
           <a:p>
             <a:r>
-              <a:rPr lang="en-US" smtClean="0"/>
+              <a:rPr lang="en-US"/>
               <a:t>Click to edit Master title style</a:t>
             </a:r>
-            <a:endParaRPr lang="en-US"/>
           </a:p>
         </p:txBody>
       </p:sp>
@@ -1608,7 +1604,7 @@
           <a:p>
             <a:pPr lvl="0"/>
             <a:r>
-              <a:rPr lang="en-US" smtClean="0"/>
+              <a:rPr lang="en-US"/>
               <a:t>Click to edit Master text styles</a:t>
             </a:r>
           </a:p>
@@ -1663,10 +1659,9 @@
           <a:lstStyle/>
           <a:p>
             <a:r>
-              <a:rPr lang="en-US" smtClean="0"/>
+              <a:rPr lang="en-US"/>
               <a:t>Click to edit Master title style</a:t>
             </a:r>
-            <a:endParaRPr lang="en-US"/>
           </a:p>
         </p:txBody>
       </p:sp>
@@ -1719,10 +1714,9 @@
           <a:lstStyle/>
           <a:p>
             <a:r>
-              <a:rPr lang="en-US" smtClean="0"/>
+              <a:rPr lang="en-US"/>
               <a:t>Click to edit Master title style</a:t>
             </a:r>
-            <a:endParaRPr lang="en-US"/>
           </a:p>
         </p:txBody>
       </p:sp>
@@ -1763,7 +1757,7 @@
           <a:p>
             <a:pPr lvl="0"/>
             <a:r>
-              <a:rPr lang="en-US" smtClean="0"/>
+              <a:rPr lang="en-US"/>
               <a:t>Click to edit Master text styles</a:t>
             </a:r>
           </a:p>
@@ -1818,10 +1812,9 @@
           <a:lstStyle/>
           <a:p>
             <a:r>
-              <a:rPr lang="en-US" smtClean="0"/>
+              <a:rPr lang="en-US"/>
               <a:t>Click to edit Master title style</a:t>
             </a:r>
-            <a:endParaRPr lang="en-US"/>
           </a:p>
         </p:txBody>
       </p:sp>
@@ -1874,10 +1867,9 @@
           <a:lstStyle/>
           <a:p>
             <a:r>
-              <a:rPr lang="en-US" smtClean="0"/>
+              <a:rPr lang="en-US"/>
               <a:t>Click to edit Master title style</a:t>
             </a:r>
-            <a:endParaRPr lang="en-US"/>
           </a:p>
         </p:txBody>
       </p:sp>
@@ -1918,7 +1910,7 @@
           <a:p>
             <a:pPr lvl="0"/>
             <a:r>
-              <a:rPr lang="en-US" smtClean="0"/>
+              <a:rPr lang="en-US"/>
               <a:t>Click to edit Master text styles</a:t>
             </a:r>
           </a:p>
@@ -1973,10 +1965,9 @@
           <a:lstStyle/>
           <a:p>
             <a:r>
-              <a:rPr lang="en-US" smtClean="0"/>
+              <a:rPr lang="en-US"/>
               <a:t>Click to edit Master title style</a:t>
             </a:r>
-            <a:endParaRPr lang="en-US"/>
           </a:p>
         </p:txBody>
       </p:sp>
@@ -2057,35 +2048,35 @@
           <a:p>
             <a:pPr lvl="0"/>
             <a:r>
-              <a:rPr lang="en-US" smtClean="0"/>
+              <a:rPr lang="en-US"/>
               <a:t>Click to edit Master text styles</a:t>
             </a:r>
           </a:p>
           <a:p>
             <a:pPr lvl="1"/>
             <a:r>
-              <a:rPr lang="en-US" smtClean="0"/>
+              <a:rPr lang="en-US"/>
               <a:t>Second level</a:t>
             </a:r>
           </a:p>
           <a:p>
             <a:pPr lvl="2"/>
             <a:r>
-              <a:rPr lang="en-US" smtClean="0"/>
+              <a:rPr lang="en-US"/>
               <a:t>Third level</a:t>
             </a:r>
           </a:p>
           <a:p>
             <a:pPr lvl="3"/>
             <a:r>
-              <a:rPr lang="en-US" smtClean="0"/>
+              <a:rPr lang="en-US"/>
               <a:t>Fourth level</a:t>
             </a:r>
           </a:p>
           <a:p>
             <a:pPr lvl="4"/>
             <a:r>
-              <a:rPr lang="en-US" smtClean="0"/>
+              <a:rPr lang="en-US"/>
               <a:t>Fifth level</a:t>
             </a:r>
           </a:p>
@@ -2127,7 +2118,7 @@
           <a:p>
             <a:pPr lvl="0"/>
             <a:r>
-              <a:rPr lang="en-US" smtClean="0"/>
+              <a:rPr lang="en-US"/>
               <a:t>Click to edit Master title style</a:t>
             </a:r>
           </a:p>
@@ -2243,13 +2234,6 @@
   <p:transition>
     <p:fade/>
   </p:transition>
-  <p:timing>
-    <p:tnLst>
-      <p:par>
-        <p:cTn id="1" dur="indefinite" restart="never" nodeType="tmRoot"/>
-      </p:par>
-    </p:tnLst>
-  </p:timing>
   <p:txStyles>
     <p:titleStyle>
       <a:lvl1pPr marL="342900" indent="-342900" algn="ctr" defTabSz="-13873163" rtl="0" eaLnBrk="1" fontAlgn="base" hangingPunct="1">
@@ -2766,14 +2750,22 @@
           <a:p>
             <a:pPr marL="0" indent="0" defTabSz="914400" eaLnBrk="1" hangingPunct="1"/>
             <a:r>
-              <a:rPr lang="en-US" dirty="0" smtClean="0"/>
-              <a:t>ASP.NET 5 </a:t>
-            </a:r>
-            <a:r>
-              <a:rPr lang="en-US" dirty="0" smtClean="0"/>
+              <a:rPr lang="en-US" dirty="0"/>
+              <a:t>ASP.</a:t>
+            </a:r>
+            <a:r>
+              <a:rPr lang="en-US"/>
+              <a:t>NET Core</a:t>
+            </a:r>
+            <a:r>
+              <a:rPr lang="en-US"/>
+              <a:t> </a:t>
+            </a:r>
+            <a:r>
+              <a:rPr lang="en-US"/>
               <a:t>Deployment</a:t>
             </a:r>
-            <a:endParaRPr lang="en-US" dirty="0" smtClean="0"/>
+            <a:endParaRPr lang="en-US" dirty="0"/>
           </a:p>
         </p:txBody>
       </p:sp>
@@ -2794,10 +2786,9 @@
           <a:p>
             <a:pPr defTabSz="914400" eaLnBrk="1" hangingPunct="1"/>
             <a:r>
-              <a:rPr lang="en-US" dirty="0" smtClean="0"/>
+              <a:rPr lang="en-US" dirty="0"/>
               <a:t>dnu.exe</a:t>
             </a:r>
-            <a:endParaRPr lang="en-US" dirty="0" smtClean="0"/>
           </a:p>
         </p:txBody>
       </p:sp>
@@ -2809,13 +2800,6 @@
   <p:transition>
     <p:fade/>
   </p:transition>
-  <p:timing>
-    <p:tnLst>
-      <p:par>
-        <p:cTn id="1" dur="indefinite" restart="never" nodeType="tmRoot"/>
-      </p:par>
-    </p:tnLst>
-  </p:timing>
 </p:sld>
 </file>
 
@@ -2852,10 +2836,9 @@
           <a:lstStyle/>
           <a:p>
             <a:r>
-              <a:rPr lang="en-US" dirty="0" smtClean="0"/>
+              <a:rPr lang="en-US" dirty="0"/>
               <a:t>Deployment Options</a:t>
             </a:r>
-            <a:endParaRPr lang="en-US" dirty="0"/>
           </a:p>
         </p:txBody>
       </p:sp>
@@ -2875,24 +2858,20 @@
           <a:lstStyle/>
           <a:p>
             <a:r>
-              <a:rPr lang="en-US" dirty="0" smtClean="0"/>
+              <a:rPr lang="en-US" dirty="0"/>
               <a:t>Visual Studio</a:t>
             </a:r>
           </a:p>
           <a:p>
             <a:r>
               <a:rPr lang="en-US" dirty="0" err="1"/>
-              <a:t>x</a:t>
-            </a:r>
-            <a:r>
-              <a:rPr lang="en-US" dirty="0" err="1" smtClean="0"/>
-              <a:t>copy</a:t>
-            </a:r>
-            <a:endParaRPr lang="en-US" dirty="0" smtClean="0"/>
-          </a:p>
-          <a:p>
-            <a:r>
-              <a:rPr lang="en-US" dirty="0" err="1" smtClean="0"/>
+              <a:t>xcopy</a:t>
+            </a:r>
+            <a:endParaRPr lang="en-US" dirty="0"/>
+          </a:p>
+          <a:p>
+            <a:r>
+              <a:rPr lang="en-US" dirty="0" err="1"/>
               <a:t>dnu</a:t>
             </a:r>
             <a:endParaRPr lang="en-US" dirty="0"/>
@@ -2972,14 +2951,13 @@
           <a:lstStyle/>
           <a:p>
             <a:r>
-              <a:rPr lang="en-US" dirty="0" err="1" smtClean="0"/>
+              <a:rPr lang="en-US" dirty="0" err="1"/>
               <a:t>dnu</a:t>
             </a:r>
             <a:r>
-              <a:rPr lang="en-US" dirty="0" smtClean="0"/>
+              <a:rPr lang="en-US" dirty="0"/>
               <a:t> restore</a:t>
             </a:r>
-            <a:endParaRPr lang="en-US" dirty="0"/>
           </a:p>
         </p:txBody>
       </p:sp>
@@ -2999,10 +2977,9 @@
           <a:lstStyle/>
           <a:p>
             <a:r>
-              <a:rPr lang="en-US" dirty="0" smtClean="0"/>
+              <a:rPr lang="en-US" dirty="0"/>
               <a:t>Download all dependencies for an application</a:t>
             </a:r>
-            <a:endParaRPr lang="en-US" dirty="0"/>
           </a:p>
         </p:txBody>
       </p:sp>
@@ -3080,17 +3057,12 @@
           <a:p>
             <a:r>
               <a:rPr lang="en-US" dirty="0" err="1"/>
-              <a:t>d</a:t>
-            </a:r>
-            <a:r>
-              <a:rPr lang="en-US" dirty="0" err="1" smtClean="0"/>
-              <a:t>nu</a:t>
-            </a:r>
-            <a:r>
-              <a:rPr lang="en-US" dirty="0" smtClean="0"/>
+              <a:t>dnu</a:t>
+            </a:r>
+            <a:r>
+              <a:rPr lang="en-US" dirty="0"/>
               <a:t> pack</a:t>
             </a:r>
-            <a:endParaRPr lang="en-US" dirty="0"/>
           </a:p>
         </p:txBody>
       </p:sp>
@@ -3110,18 +3082,17 @@
           <a:lstStyle/>
           <a:p>
             <a:r>
-              <a:rPr lang="en-US" dirty="0" smtClean="0"/>
+              <a:rPr lang="en-US" dirty="0"/>
               <a:t>Build project into </a:t>
             </a:r>
             <a:r>
-              <a:rPr lang="en-US" dirty="0" err="1" smtClean="0"/>
+              <a:rPr lang="en-US" dirty="0" err="1"/>
               <a:t>NuGet</a:t>
             </a:r>
             <a:r>
-              <a:rPr lang="en-US" dirty="0" smtClean="0"/>
+              <a:rPr lang="en-US" dirty="0"/>
               <a:t> package</a:t>
             </a:r>
-            <a:endParaRPr lang="en-US" dirty="0"/>
           </a:p>
         </p:txBody>
       </p:sp>
@@ -3199,17 +3170,12 @@
           <a:p>
             <a:r>
               <a:rPr lang="en-US" dirty="0" err="1"/>
-              <a:t>d</a:t>
-            </a:r>
-            <a:r>
-              <a:rPr lang="en-US" dirty="0" err="1" smtClean="0"/>
-              <a:t>nu</a:t>
-            </a:r>
-            <a:r>
-              <a:rPr lang="en-US" dirty="0" smtClean="0"/>
+              <a:t>dnu</a:t>
+            </a:r>
+            <a:r>
+              <a:rPr lang="en-US" dirty="0"/>
               <a:t> build</a:t>
             </a:r>
-            <a:endParaRPr lang="en-US" dirty="0"/>
           </a:p>
         </p:txBody>
       </p:sp>
@@ -3229,10 +3195,9 @@
           <a:lstStyle/>
           <a:p>
             <a:r>
-              <a:rPr lang="en-US" dirty="0" smtClean="0"/>
+              <a:rPr lang="en-US" dirty="0"/>
               <a:t>Build assembly to disk</a:t>
             </a:r>
-            <a:endParaRPr lang="en-US" dirty="0"/>
           </a:p>
         </p:txBody>
       </p:sp>
@@ -3310,17 +3275,12 @@
           <a:p>
             <a:r>
               <a:rPr lang="en-US" dirty="0" err="1"/>
-              <a:t>d</a:t>
-            </a:r>
-            <a:r>
-              <a:rPr lang="en-US" dirty="0" err="1" smtClean="0"/>
-              <a:t>nu</a:t>
-            </a:r>
-            <a:r>
-              <a:rPr lang="en-US" dirty="0" smtClean="0"/>
+              <a:t>dnu</a:t>
+            </a:r>
+            <a:r>
+              <a:rPr lang="en-US" dirty="0"/>
               <a:t> publish</a:t>
             </a:r>
-            <a:endParaRPr lang="en-US" dirty="0"/>
           </a:p>
         </p:txBody>
       </p:sp>
@@ -3340,10 +3300,9 @@
           <a:lstStyle/>
           <a:p>
             <a:r>
-              <a:rPr lang="en-US" dirty="0" smtClean="0"/>
+              <a:rPr lang="en-US" dirty="0"/>
               <a:t>Publish with commands to deployable directory</a:t>
             </a:r>
-            <a:endParaRPr lang="en-US" dirty="0"/>
           </a:p>
         </p:txBody>
       </p:sp>
@@ -3430,10 +3389,9 @@
           <a:lstStyle/>
           <a:p>
             <a:r>
-              <a:rPr lang="en-US" dirty="0" smtClean="0"/>
+              <a:rPr lang="en-US" dirty="0"/>
               <a:t>Summary</a:t>
             </a:r>
-            <a:endParaRPr lang="en-US" dirty="0"/>
           </a:p>
         </p:txBody>
       </p:sp>
@@ -3453,10 +3411,9 @@
           <a:lstStyle/>
           <a:p>
             <a:r>
-              <a:rPr lang="en-US" dirty="0" smtClean="0"/>
+              <a:rPr lang="en-US" dirty="0"/>
               <a:t>Cloud optimized deployments</a:t>
             </a:r>
-            <a:endParaRPr lang="en-US" dirty="0"/>
           </a:p>
         </p:txBody>
       </p:sp>

--- a/aspnet5/slides/08_Deployment.pptx
+++ b/aspnet5/slides/08_Deployment.pptx
@@ -5,19 +5,17 @@
     <p:sldMasterId id="2147483772" r:id="rId1"/>
   </p:sldMasterIdLst>
   <p:notesMasterIdLst>
-    <p:notesMasterId r:id="rId9"/>
+    <p:notesMasterId r:id="rId7"/>
   </p:notesMasterIdLst>
   <p:handoutMasterIdLst>
-    <p:handoutMasterId r:id="rId10"/>
+    <p:handoutMasterId r:id="rId8"/>
   </p:handoutMasterIdLst>
   <p:sldIdLst>
     <p:sldId id="327" r:id="rId2"/>
-    <p:sldId id="328" r:id="rId3"/>
-    <p:sldId id="329" r:id="rId4"/>
-    <p:sldId id="330" r:id="rId5"/>
-    <p:sldId id="331" r:id="rId6"/>
-    <p:sldId id="332" r:id="rId7"/>
-    <p:sldId id="333" r:id="rId8"/>
+    <p:sldId id="334" r:id="rId3"/>
+    <p:sldId id="335" r:id="rId4"/>
+    <p:sldId id="336" r:id="rId5"/>
+    <p:sldId id="333" r:id="rId6"/>
   </p:sldIdLst>
   <p:sldSz cx="9144000" cy="6858000" type="screen4x3"/>
   <p:notesSz cx="7302500" cy="9588500"/>
@@ -152,11 +150,9 @@
         <p14:section name="Default Section" id="{1FAFB904-873B-4B5C-A5B3-7BBCB9659514}">
           <p14:sldIdLst>
             <p14:sldId id="327"/>
-            <p14:sldId id="328"/>
-            <p14:sldId id="329"/>
-            <p14:sldId id="330"/>
-            <p14:sldId id="331"/>
-            <p14:sldId id="332"/>
+            <p14:sldId id="334"/>
+            <p14:sldId id="335"/>
+            <p14:sldId id="336"/>
             <p14:sldId id="333"/>
           </p14:sldIdLst>
         </p14:section>
@@ -285,7 +281,7 @@
               <a:pPr>
                 <a:defRPr/>
               </a:pPr>
-              <a:t>2/23/2017</a:t>
+              <a:t>3/8/2018</a:t>
             </a:fld>
             <a:endParaRPr lang="en-US"/>
           </a:p>
@@ -2755,15 +2751,7 @@
             </a:r>
             <a:r>
               <a:rPr lang="en-US"/>
-              <a:t>NET Core</a:t>
-            </a:r>
-            <a:r>
-              <a:rPr lang="en-US"/>
-              <a:t> </a:t>
-            </a:r>
-            <a:r>
-              <a:rPr lang="en-US"/>
-              <a:t>Deployment</a:t>
+              <a:t>NET Core Deployment</a:t>
             </a:r>
             <a:endParaRPr lang="en-US" dirty="0"/>
           </a:p>
@@ -2822,7 +2810,13 @@
       </p:grpSpPr>
       <p:sp>
         <p:nvSpPr>
-          <p:cNvPr id="2" name="Title 1"/>
+          <p:cNvPr id="2" name="Title 1">
+            <a:extLst>
+              <a:ext uri="{FF2B5EF4-FFF2-40B4-BE49-F238E27FC236}">
+                <a16:creationId xmlns:a16="http://schemas.microsoft.com/office/drawing/2014/main" id="{A084D1B5-5242-4DA7-84E4-A4FF8DC944DF}"/>
+              </a:ext>
+            </a:extLst>
+          </p:cNvPr>
           <p:cNvSpPr>
             <a:spLocks noGrp="1"/>
           </p:cNvSpPr>
@@ -2837,14 +2831,20 @@
           <a:p>
             <a:r>
               <a:rPr lang="en-US" dirty="0"/>
-              <a:t>Deployment Options</a:t>
+              <a:t>dotnet publish</a:t>
             </a:r>
           </a:p>
         </p:txBody>
       </p:sp>
       <p:sp>
         <p:nvSpPr>
-          <p:cNvPr id="3" name="Text Placeholder 2"/>
+          <p:cNvPr id="3" name="Text Placeholder 2">
+            <a:extLst>
+              <a:ext uri="{FF2B5EF4-FFF2-40B4-BE49-F238E27FC236}">
+                <a16:creationId xmlns:a16="http://schemas.microsoft.com/office/drawing/2014/main" id="{0474DD77-95DE-4472-826B-580E3C57BE73}"/>
+              </a:ext>
+            </a:extLst>
+          </p:cNvPr>
           <p:cNvSpPr>
             <a:spLocks noGrp="1"/>
           </p:cNvSpPr>
@@ -2857,30 +2857,19 @@
           <a:bodyPr/>
           <a:lstStyle/>
           <a:p>
-            <a:r>
-              <a:rPr lang="en-US" dirty="0"/>
-              <a:t>Visual Studio</a:t>
-            </a:r>
-          </a:p>
-          <a:p>
-            <a:r>
-              <a:rPr lang="en-US" dirty="0" err="1"/>
-              <a:t>xcopy</a:t>
-            </a:r>
-            <a:endParaRPr lang="en-US" dirty="0"/>
-          </a:p>
-          <a:p>
-            <a:r>
-              <a:rPr lang="en-US" dirty="0" err="1"/>
-              <a:t>dnu</a:t>
-            </a:r>
-            <a:endParaRPr lang="en-US" dirty="0"/>
+            <a:endParaRPr lang="en-US"/>
           </a:p>
         </p:txBody>
       </p:sp>
       <p:pic>
         <p:nvPicPr>
-          <p:cNvPr id="4" name="Picture 3"/>
+          <p:cNvPr id="4" name="Picture 3">
+            <a:extLst>
+              <a:ext uri="{FF2B5EF4-FFF2-40B4-BE49-F238E27FC236}">
+                <a16:creationId xmlns:a16="http://schemas.microsoft.com/office/drawing/2014/main" id="{E47B6AAF-7733-4CFC-83BD-F3AA61992F12}"/>
+              </a:ext>
+            </a:extLst>
+          </p:cNvPr>
           <p:cNvPicPr>
             <a:picLocks noChangeAspect="1"/>
           </p:cNvPicPr>
@@ -2894,8 +2883,8 @@
         </p:blipFill>
         <p:spPr>
           <a:xfrm>
-            <a:off x="3124200" y="1905000"/>
-            <a:ext cx="4676775" cy="3672134"/>
+            <a:off x="457200" y="2362200"/>
+            <a:ext cx="8382000" cy="1860958"/>
           </a:xfrm>
           <a:prstGeom prst="rect">
             <a:avLst/>
@@ -2905,7 +2894,7 @@
     </p:spTree>
     <p:extLst>
       <p:ext uri="{BB962C8B-B14F-4D97-AF65-F5344CB8AC3E}">
-        <p14:creationId xmlns:p14="http://schemas.microsoft.com/office/powerpoint/2010/main" val="4135599306"/>
+        <p14:creationId xmlns:p14="http://schemas.microsoft.com/office/powerpoint/2010/main" val="3010897363"/>
       </p:ext>
     </p:extLst>
   </p:cSld>
@@ -2937,7 +2926,13 @@
       </p:grpSpPr>
       <p:sp>
         <p:nvSpPr>
-          <p:cNvPr id="2" name="Title 1"/>
+          <p:cNvPr id="2" name="Title 1">
+            <a:extLst>
+              <a:ext uri="{FF2B5EF4-FFF2-40B4-BE49-F238E27FC236}">
+                <a16:creationId xmlns:a16="http://schemas.microsoft.com/office/drawing/2014/main" id="{EACEDD0C-39DD-4E64-8625-F7A2689BC5BF}"/>
+              </a:ext>
+            </a:extLst>
+          </p:cNvPr>
           <p:cNvSpPr>
             <a:spLocks noGrp="1"/>
           </p:cNvSpPr>
@@ -2952,18 +2947,24 @@
           <a:p>
             <a:r>
               <a:rPr lang="en-US" dirty="0" err="1"/>
-              <a:t>dnu</a:t>
+              <a:t>Web.config</a:t>
             </a:r>
             <a:r>
               <a:rPr lang="en-US" dirty="0"/>
-              <a:t> restore</a:t>
+              <a:t> for IIS</a:t>
             </a:r>
           </a:p>
         </p:txBody>
       </p:sp>
       <p:sp>
         <p:nvSpPr>
-          <p:cNvPr id="3" name="Text Placeholder 2"/>
+          <p:cNvPr id="3" name="Text Placeholder 2">
+            <a:extLst>
+              <a:ext uri="{FF2B5EF4-FFF2-40B4-BE49-F238E27FC236}">
+                <a16:creationId xmlns:a16="http://schemas.microsoft.com/office/drawing/2014/main" id="{2482A9F4-B689-4C38-B370-5A2BE808B784}"/>
+              </a:ext>
+            </a:extLst>
+          </p:cNvPr>
           <p:cNvSpPr>
             <a:spLocks noGrp="1"/>
           </p:cNvSpPr>
@@ -2976,16 +2977,19 @@
           <a:bodyPr/>
           <a:lstStyle/>
           <a:p>
-            <a:r>
-              <a:rPr lang="en-US" dirty="0"/>
-              <a:t>Download all dependencies for an application</a:t>
-            </a:r>
+            <a:endParaRPr lang="en-US"/>
           </a:p>
         </p:txBody>
       </p:sp>
       <p:pic>
         <p:nvPicPr>
-          <p:cNvPr id="4" name="Picture 3"/>
+          <p:cNvPr id="4" name="Picture 3">
+            <a:extLst>
+              <a:ext uri="{FF2B5EF4-FFF2-40B4-BE49-F238E27FC236}">
+                <a16:creationId xmlns:a16="http://schemas.microsoft.com/office/drawing/2014/main" id="{C6FE6BB3-969F-4C5C-A5BE-D2189E6E41DC}"/>
+              </a:ext>
+            </a:extLst>
+          </p:cNvPr>
           <p:cNvPicPr>
             <a:picLocks noChangeAspect="1"/>
           </p:cNvPicPr>
@@ -2999,8 +3003,8 @@
         </p:blipFill>
         <p:spPr>
           <a:xfrm>
-            <a:off x="1600200" y="2286000"/>
-            <a:ext cx="5448300" cy="4166347"/>
+            <a:off x="762000" y="2557269"/>
+            <a:ext cx="8001000" cy="1743461"/>
           </a:xfrm>
           <a:prstGeom prst="rect">
             <a:avLst/>
@@ -3010,7 +3014,7 @@
     </p:spTree>
     <p:extLst>
       <p:ext uri="{BB962C8B-B14F-4D97-AF65-F5344CB8AC3E}">
-        <p14:creationId xmlns:p14="http://schemas.microsoft.com/office/powerpoint/2010/main" val="2308106778"/>
+        <p14:creationId xmlns:p14="http://schemas.microsoft.com/office/powerpoint/2010/main" val="2567025923"/>
       </p:ext>
     </p:extLst>
   </p:cSld>
@@ -3042,7 +3046,13 @@
       </p:grpSpPr>
       <p:sp>
         <p:nvSpPr>
-          <p:cNvPr id="2" name="Title 1"/>
+          <p:cNvPr id="2" name="Title 1">
+            <a:extLst>
+              <a:ext uri="{FF2B5EF4-FFF2-40B4-BE49-F238E27FC236}">
+                <a16:creationId xmlns:a16="http://schemas.microsoft.com/office/drawing/2014/main" id="{15F5EC53-2CC4-47C2-AB07-DA210568656D}"/>
+              </a:ext>
+            </a:extLst>
+          </p:cNvPr>
           <p:cNvSpPr>
             <a:spLocks noGrp="1"/>
           </p:cNvSpPr>
@@ -3056,19 +3066,21 @@
           <a:lstStyle/>
           <a:p>
             <a:r>
-              <a:rPr lang="en-US" dirty="0" err="1"/>
-              <a:t>dnu</a:t>
-            </a:r>
-            <a:r>
               <a:rPr lang="en-US" dirty="0"/>
-              <a:t> pack</a:t>
+              <a:t>Self-contained Deployment</a:t>
             </a:r>
           </a:p>
         </p:txBody>
       </p:sp>
       <p:sp>
         <p:nvSpPr>
-          <p:cNvPr id="3" name="Text Placeholder 2"/>
+          <p:cNvPr id="3" name="Text Placeholder 2">
+            <a:extLst>
+              <a:ext uri="{FF2B5EF4-FFF2-40B4-BE49-F238E27FC236}">
+                <a16:creationId xmlns:a16="http://schemas.microsoft.com/office/drawing/2014/main" id="{EDAAE51D-D06D-4BB5-920E-67B0A11B427B}"/>
+              </a:ext>
+            </a:extLst>
+          </p:cNvPr>
           <p:cNvSpPr>
             <a:spLocks noGrp="1"/>
           </p:cNvSpPr>
@@ -3083,47 +3095,15 @@
           <a:p>
             <a:r>
               <a:rPr lang="en-US" dirty="0"/>
-              <a:t>Build project into </a:t>
-            </a:r>
-            <a:r>
-              <a:rPr lang="en-US" dirty="0" err="1"/>
-              <a:t>NuGet</a:t>
-            </a:r>
-            <a:r>
-              <a:rPr lang="en-US" dirty="0"/>
-              <a:t> package</a:t>
+              <a:t>All the bits needed to run the app are in one directory</a:t>
             </a:r>
           </a:p>
         </p:txBody>
       </p:sp>
-      <p:pic>
-        <p:nvPicPr>
-          <p:cNvPr id="4" name="Picture 3"/>
-          <p:cNvPicPr>
-            <a:picLocks noChangeAspect="1"/>
-          </p:cNvPicPr>
-          <p:nvPr/>
-        </p:nvPicPr>
-        <p:blipFill>
-          <a:blip r:embed="rId2"/>
-          <a:stretch>
-            <a:fillRect/>
-          </a:stretch>
-        </p:blipFill>
-        <p:spPr>
-          <a:xfrm>
-            <a:off x="1676400" y="1981200"/>
-            <a:ext cx="5562600" cy="4253753"/>
-          </a:xfrm>
-          <a:prstGeom prst="rect">
-            <a:avLst/>
-          </a:prstGeom>
-        </p:spPr>
-      </p:pic>
     </p:spTree>
     <p:extLst>
       <p:ext uri="{BB962C8B-B14F-4D97-AF65-F5344CB8AC3E}">
-        <p14:creationId xmlns:p14="http://schemas.microsoft.com/office/powerpoint/2010/main" val="4154452288"/>
+        <p14:creationId xmlns:p14="http://schemas.microsoft.com/office/powerpoint/2010/main" val="1268076337"/>
       </p:ext>
     </p:extLst>
   </p:cSld>
@@ -3169,41 +3149,21 @@
           <a:lstStyle/>
           <a:p>
             <a:r>
-              <a:rPr lang="en-US" dirty="0" err="1"/>
-              <a:t>dnu</a:t>
-            </a:r>
-            <a:r>
               <a:rPr lang="en-US" dirty="0"/>
-              <a:t> build</a:t>
-            </a:r>
-          </a:p>
-        </p:txBody>
-      </p:sp>
-      <p:sp>
-        <p:nvSpPr>
-          <p:cNvPr id="3" name="Text Placeholder 2"/>
-          <p:cNvSpPr>
-            <a:spLocks noGrp="1"/>
-          </p:cNvSpPr>
-          <p:nvPr>
-            <p:ph type="body" idx="1"/>
-          </p:nvPr>
-        </p:nvSpPr>
-        <p:spPr/>
-        <p:txBody>
-          <a:bodyPr/>
-          <a:lstStyle/>
-          <a:p>
-            <a:r>
-              <a:rPr lang="en-US" dirty="0"/>
-              <a:t>Build assembly to disk</a:t>
+              <a:t>Summary</a:t>
             </a:r>
           </a:p>
         </p:txBody>
       </p:sp>
       <p:pic>
         <p:nvPicPr>
-          <p:cNvPr id="4" name="Picture 3"/>
+          <p:cNvPr id="7" name="Picture 6">
+            <a:extLst>
+              <a:ext uri="{FF2B5EF4-FFF2-40B4-BE49-F238E27FC236}">
+                <a16:creationId xmlns:a16="http://schemas.microsoft.com/office/drawing/2014/main" id="{A75A523B-EEBE-495A-829A-C71A49D8ECC5}"/>
+              </a:ext>
+            </a:extLst>
+          </p:cNvPr>
           <p:cNvPicPr>
             <a:picLocks noChangeAspect="1"/>
           </p:cNvPicPr>
@@ -3217,206 +3177,14 @@
         </p:blipFill>
         <p:spPr>
           <a:xfrm>
-            <a:off x="1828800" y="2362200"/>
-            <a:ext cx="4610100" cy="3525371"/>
+            <a:off x="457200" y="2362200"/>
+            <a:ext cx="8382000" cy="1860958"/>
           </a:xfrm>
           <a:prstGeom prst="rect">
             <a:avLst/>
           </a:prstGeom>
         </p:spPr>
       </p:pic>
-    </p:spTree>
-    <p:extLst>
-      <p:ext uri="{BB962C8B-B14F-4D97-AF65-F5344CB8AC3E}">
-        <p14:creationId xmlns:p14="http://schemas.microsoft.com/office/powerpoint/2010/main" val="1773133516"/>
-      </p:ext>
-    </p:extLst>
-  </p:cSld>
-  <p:clrMapOvr>
-    <a:masterClrMapping/>
-  </p:clrMapOvr>
-  <p:transition>
-    <p:fade/>
-  </p:transition>
-</p:sld>
-</file>
-
-<file path=ppt/slides/slide6.xml><?xml version="1.0" encoding="utf-8"?>
-<p:sld xmlns:a="http://schemas.openxmlformats.org/drawingml/2006/main" xmlns:r="http://schemas.openxmlformats.org/officeDocument/2006/relationships" xmlns:p="http://schemas.openxmlformats.org/presentationml/2006/main">
-  <p:cSld>
-    <p:spTree>
-      <p:nvGrpSpPr>
-        <p:cNvPr id="1" name=""/>
-        <p:cNvGrpSpPr/>
-        <p:nvPr/>
-      </p:nvGrpSpPr>
-      <p:grpSpPr>
-        <a:xfrm>
-          <a:off x="0" y="0"/>
-          <a:ext cx="0" cy="0"/>
-          <a:chOff x="0" y="0"/>
-          <a:chExt cx="0" cy="0"/>
-        </a:xfrm>
-      </p:grpSpPr>
-      <p:sp>
-        <p:nvSpPr>
-          <p:cNvPr id="2" name="Title 1"/>
-          <p:cNvSpPr>
-            <a:spLocks noGrp="1"/>
-          </p:cNvSpPr>
-          <p:nvPr>
-            <p:ph type="title"/>
-          </p:nvPr>
-        </p:nvSpPr>
-        <p:spPr/>
-        <p:txBody>
-          <a:bodyPr/>
-          <a:lstStyle/>
-          <a:p>
-            <a:r>
-              <a:rPr lang="en-US" dirty="0" err="1"/>
-              <a:t>dnu</a:t>
-            </a:r>
-            <a:r>
-              <a:rPr lang="en-US" dirty="0"/>
-              <a:t> publish</a:t>
-            </a:r>
-          </a:p>
-        </p:txBody>
-      </p:sp>
-      <p:sp>
-        <p:nvSpPr>
-          <p:cNvPr id="3" name="Text Placeholder 2"/>
-          <p:cNvSpPr>
-            <a:spLocks noGrp="1"/>
-          </p:cNvSpPr>
-          <p:nvPr>
-            <p:ph type="body" idx="1"/>
-          </p:nvPr>
-        </p:nvSpPr>
-        <p:spPr/>
-        <p:txBody>
-          <a:bodyPr/>
-          <a:lstStyle/>
-          <a:p>
-            <a:r>
-              <a:rPr lang="en-US" dirty="0"/>
-              <a:t>Publish with commands to deployable directory</a:t>
-            </a:r>
-          </a:p>
-        </p:txBody>
-      </p:sp>
-      <p:pic>
-        <p:nvPicPr>
-          <p:cNvPr id="4" name="Picture 3"/>
-          <p:cNvPicPr>
-            <a:picLocks noChangeAspect="1"/>
-          </p:cNvPicPr>
-          <p:nvPr/>
-        </p:nvPicPr>
-        <p:blipFill>
-          <a:blip r:embed="rId2"/>
-          <a:stretch>
-            <a:fillRect/>
-          </a:stretch>
-        </p:blipFill>
-        <p:spPr>
-          <a:xfrm>
-            <a:off x="3052762" y="2595562"/>
-            <a:ext cx="3038475" cy="1666875"/>
-          </a:xfrm>
-          <a:prstGeom prst="rect">
-            <a:avLst/>
-          </a:prstGeom>
-          <a:ln>
-            <a:noFill/>
-          </a:ln>
-          <a:effectLst>
-            <a:outerShdw blurRad="292100" dist="139700" dir="2700000" algn="tl" rotWithShape="0">
-              <a:srgbClr val="333333">
-                <a:alpha val="65000"/>
-              </a:srgbClr>
-            </a:outerShdw>
-          </a:effectLst>
-        </p:spPr>
-      </p:pic>
-    </p:spTree>
-    <p:extLst>
-      <p:ext uri="{BB962C8B-B14F-4D97-AF65-F5344CB8AC3E}">
-        <p14:creationId xmlns:p14="http://schemas.microsoft.com/office/powerpoint/2010/main" val="210546231"/>
-      </p:ext>
-    </p:extLst>
-  </p:cSld>
-  <p:clrMapOvr>
-    <a:masterClrMapping/>
-  </p:clrMapOvr>
-  <p:transition>
-    <p:fade/>
-  </p:transition>
-</p:sld>
-</file>
-
-<file path=ppt/slides/slide7.xml><?xml version="1.0" encoding="utf-8"?>
-<p:sld xmlns:a="http://schemas.openxmlformats.org/drawingml/2006/main" xmlns:r="http://schemas.openxmlformats.org/officeDocument/2006/relationships" xmlns:p="http://schemas.openxmlformats.org/presentationml/2006/main">
-  <p:cSld>
-    <p:spTree>
-      <p:nvGrpSpPr>
-        <p:cNvPr id="1" name=""/>
-        <p:cNvGrpSpPr/>
-        <p:nvPr/>
-      </p:nvGrpSpPr>
-      <p:grpSpPr>
-        <a:xfrm>
-          <a:off x="0" y="0"/>
-          <a:ext cx="0" cy="0"/>
-          <a:chOff x="0" y="0"/>
-          <a:chExt cx="0" cy="0"/>
-        </a:xfrm>
-      </p:grpSpPr>
-      <p:sp>
-        <p:nvSpPr>
-          <p:cNvPr id="2" name="Title 1"/>
-          <p:cNvSpPr>
-            <a:spLocks noGrp="1"/>
-          </p:cNvSpPr>
-          <p:nvPr>
-            <p:ph type="title"/>
-          </p:nvPr>
-        </p:nvSpPr>
-        <p:spPr/>
-        <p:txBody>
-          <a:bodyPr/>
-          <a:lstStyle/>
-          <a:p>
-            <a:r>
-              <a:rPr lang="en-US" dirty="0"/>
-              <a:t>Summary</a:t>
-            </a:r>
-          </a:p>
-        </p:txBody>
-      </p:sp>
-      <p:sp>
-        <p:nvSpPr>
-          <p:cNvPr id="3" name="Text Placeholder 2"/>
-          <p:cNvSpPr>
-            <a:spLocks noGrp="1"/>
-          </p:cNvSpPr>
-          <p:nvPr>
-            <p:ph type="body" idx="1"/>
-          </p:nvPr>
-        </p:nvSpPr>
-        <p:spPr/>
-        <p:txBody>
-          <a:bodyPr/>
-          <a:lstStyle/>
-          <a:p>
-            <a:r>
-              <a:rPr lang="en-US" dirty="0"/>
-              <a:t>Cloud optimized deployments</a:t>
-            </a:r>
-          </a:p>
-        </p:txBody>
-      </p:sp>
     </p:spTree>
     <p:extLst>
       <p:ext uri="{BB962C8B-B14F-4D97-AF65-F5344CB8AC3E}">

--- a/aspnet5/slides/08_Deployment.pptx
+++ b/aspnet5/slides/08_Deployment.pptx
@@ -281,7 +281,7 @@
               <a:pPr>
                 <a:defRPr/>
               </a:pPr>
-              <a:t>3/8/2018</a:t>
+              <a:t>3/9/2018</a:t>
             </a:fld>
             <a:endParaRPr lang="en-US"/>
           </a:p>
@@ -3100,6 +3100,36 @@
           </a:p>
         </p:txBody>
       </p:sp>
+      <p:pic>
+        <p:nvPicPr>
+          <p:cNvPr id="4" name="Picture 3">
+            <a:extLst>
+              <a:ext uri="{FF2B5EF4-FFF2-40B4-BE49-F238E27FC236}">
+                <a16:creationId xmlns:a16="http://schemas.microsoft.com/office/drawing/2014/main" id="{14DE6AC5-8B5E-4B5E-9AF8-6D8DA24661A1}"/>
+              </a:ext>
+            </a:extLst>
+          </p:cNvPr>
+          <p:cNvPicPr>
+            <a:picLocks noChangeAspect="1"/>
+          </p:cNvPicPr>
+          <p:nvPr/>
+        </p:nvPicPr>
+        <p:blipFill>
+          <a:blip r:embed="rId2"/>
+          <a:stretch>
+            <a:fillRect/>
+          </a:stretch>
+        </p:blipFill>
+        <p:spPr>
+          <a:xfrm>
+            <a:off x="533400" y="2971800"/>
+            <a:ext cx="8229600" cy="2220845"/>
+          </a:xfrm>
+          <a:prstGeom prst="rect">
+            <a:avLst/>
+          </a:prstGeom>
+        </p:spPr>
+      </p:pic>
     </p:spTree>
     <p:extLst>
       <p:ext uri="{BB962C8B-B14F-4D97-AF65-F5344CB8AC3E}">
